--- a/BRML/Ch01/BRML_Chapter_1.pptx
+++ b/BRML/Ch01/BRML_Chapter_1.pptx
@@ -5,7 +5,7 @@
     <p:sldMasterId id="2147483648" r:id="rId1"/>
   </p:sldMasterIdLst>
   <p:notesMasterIdLst>
-    <p:notesMasterId r:id="rId21"/>
+    <p:notesMasterId r:id="rId23"/>
   </p:notesMasterIdLst>
   <p:sldIdLst>
     <p:sldId id="256" r:id="rId2"/>
@@ -27,6 +27,8 @@
     <p:sldId id="270" r:id="rId18"/>
     <p:sldId id="271" r:id="rId19"/>
     <p:sldId id="272" r:id="rId20"/>
+    <p:sldId id="317" r:id="rId21"/>
+    <p:sldId id="316" r:id="rId22"/>
   </p:sldIdLst>
   <p:sldSz cx="12192000" cy="6858000"/>
   <p:notesSz cx="6858000" cy="9144000"/>
@@ -8327,6 +8329,1144 @@
     <p:extLst>
       <p:ext uri="{BB962C8B-B14F-4D97-AF65-F5344CB8AC3E}">
         <p14:creationId xmlns:p14="http://schemas.microsoft.com/office/powerpoint/2010/main" val="1805873017"/>
+      </p:ext>
+    </p:extLst>
+  </p:cSld>
+  <p:clrMapOvr>
+    <a:masterClrMapping/>
+  </p:clrMapOvr>
+</p:sld>
+</file>
+
+<file path=ppt/slides/slide20.xml><?xml version="1.0" encoding="utf-8"?>
+<p:sld xmlns:a="http://schemas.openxmlformats.org/drawingml/2006/main" xmlns:r="http://schemas.openxmlformats.org/officeDocument/2006/relationships" xmlns:p="http://schemas.openxmlformats.org/presentationml/2006/main">
+  <p:cSld>
+    <p:spTree>
+      <p:nvGrpSpPr>
+        <p:cNvPr id="1" name=""/>
+        <p:cNvGrpSpPr/>
+        <p:nvPr/>
+      </p:nvGrpSpPr>
+      <p:grpSpPr>
+        <a:xfrm>
+          <a:off x="0" y="0"/>
+          <a:ext cx="0" cy="0"/>
+          <a:chOff x="0" y="0"/>
+          <a:chExt cx="0" cy="0"/>
+        </a:xfrm>
+      </p:grpSpPr>
+      <p:sp>
+        <p:nvSpPr>
+          <p:cNvPr id="2" name="제목 1">
+            <a:extLst>
+              <a:ext uri="{FF2B5EF4-FFF2-40B4-BE49-F238E27FC236}">
+                <a16:creationId xmlns:a16="http://schemas.microsoft.com/office/drawing/2014/main" id="{4D8B1FBF-57B8-419B-BF67-F459F7131CE8}"/>
+              </a:ext>
+            </a:extLst>
+          </p:cNvPr>
+          <p:cNvSpPr>
+            <a:spLocks noGrp="1"/>
+          </p:cNvSpPr>
+          <p:nvPr>
+            <p:ph type="title"/>
+          </p:nvPr>
+        </p:nvSpPr>
+        <p:spPr/>
+        <p:txBody>
+          <a:bodyPr/>
+          <a:lstStyle/>
+          <a:p>
+            <a:endParaRPr lang="ko-KR" altLang="en-US"/>
+          </a:p>
+        </p:txBody>
+      </p:sp>
+      <mc:AlternateContent xmlns:mc="http://schemas.openxmlformats.org/markup-compatibility/2006">
+        <mc:Choice xmlns:a14="http://schemas.microsoft.com/office/drawing/2010/main" Requires="a14">
+          <p:sp>
+            <p:nvSpPr>
+              <p:cNvPr id="3" name="내용 개체 틀 2">
+                <a:extLst>
+                  <a:ext uri="{FF2B5EF4-FFF2-40B4-BE49-F238E27FC236}">
+                    <a16:creationId xmlns:a16="http://schemas.microsoft.com/office/drawing/2014/main" id="{412931F8-9E7B-49D2-AF75-E5525B3EA155}"/>
+                  </a:ext>
+                </a:extLst>
+              </p:cNvPr>
+              <p:cNvSpPr>
+                <a:spLocks noGrp="1"/>
+              </p:cNvSpPr>
+              <p:nvPr>
+                <p:ph idx="1"/>
+              </p:nvPr>
+            </p:nvSpPr>
+            <p:spPr/>
+            <p:txBody>
+              <a:bodyPr/>
+              <a:lstStyle/>
+              <a:p>
+                <a:r>
+                  <a:rPr lang="en-US" altLang="ko-KR" dirty="0"/>
+                  <a:t>1.3.1 Two dice</a:t>
+                </a:r>
+              </a:p>
+              <a:p>
+                <a:pPr lvl="1"/>
+                <a:r>
+                  <a:rPr lang="en-US" altLang="ko-KR" dirty="0"/>
+                  <a:t>Rolling two fair dice</a:t>
+                </a:r>
+              </a:p>
+              <a:p>
+                <a:pPr lvl="1"/>
+                <a:r>
+                  <a:rPr lang="en-US" altLang="ko-KR" dirty="0"/>
+                  <a:t>The sum of the two scores is 9</a:t>
+                </a:r>
+              </a:p>
+              <a:p>
+                <a:pPr lvl="1"/>
+                <a:r>
+                  <a:rPr lang="en-US" altLang="ko-KR" dirty="0"/>
+                  <a:t>What is the posterior distribution of the dice scores?</a:t>
+                </a:r>
+              </a:p>
+              <a:p>
+                <a:pPr lvl="1"/>
+                <a:endParaRPr lang="en-US" altLang="ko-KR" dirty="0"/>
+              </a:p>
+              <a:p>
+                <a:pPr lvl="1"/>
+                <a:r>
+                  <a:rPr lang="en-US" altLang="ko-KR" dirty="0"/>
+                  <a:t>Scores </a:t>
+                </a:r>
+                <a14:m>
+                  <m:oMath xmlns:m="http://schemas.openxmlformats.org/officeDocument/2006/math">
+                    <m:sSub>
+                      <m:sSubPr>
+                        <m:ctrlPr>
+                          <a:rPr lang="en-US" altLang="ko-KR" b="0" i="1" smtClean="0">
+                            <a:latin typeface="Cambria Math" panose="02040503050406030204" pitchFamily="18" charset="0"/>
+                          </a:rPr>
+                        </m:ctrlPr>
+                      </m:sSubPr>
+                      <m:e>
+                        <m:r>
+                          <a:rPr lang="en-US" altLang="ko-KR" b="0" i="1" smtClean="0">
+                            <a:latin typeface="Cambria Math" panose="02040503050406030204" pitchFamily="18" charset="0"/>
+                          </a:rPr>
+                          <m:t>𝑠</m:t>
+                        </m:r>
+                      </m:e>
+                      <m:sub>
+                        <m:r>
+                          <a:rPr lang="en-US" altLang="ko-KR" b="0" i="1" smtClean="0">
+                            <a:latin typeface="Cambria Math" panose="02040503050406030204" pitchFamily="18" charset="0"/>
+                          </a:rPr>
+                          <m:t>𝑎</m:t>
+                        </m:r>
+                      </m:sub>
+                    </m:sSub>
+                  </m:oMath>
+                </a14:m>
+                <a:r>
+                  <a:rPr lang="en-US" altLang="ko-KR" dirty="0"/>
+                  <a:t>, </a:t>
+                </a:r>
+                <a14:m>
+                  <m:oMath xmlns:m="http://schemas.openxmlformats.org/officeDocument/2006/math">
+                    <m:sSub>
+                      <m:sSubPr>
+                        <m:ctrlPr>
+                          <a:rPr lang="en-US" altLang="ko-KR" b="0" i="1" smtClean="0">
+                            <a:latin typeface="Cambria Math" panose="02040503050406030204" pitchFamily="18" charset="0"/>
+                          </a:rPr>
+                        </m:ctrlPr>
+                      </m:sSubPr>
+                      <m:e>
+                        <m:r>
+                          <a:rPr lang="en-US" altLang="ko-KR" b="0" i="1" smtClean="0">
+                            <a:latin typeface="Cambria Math" panose="02040503050406030204" pitchFamily="18" charset="0"/>
+                          </a:rPr>
+                          <m:t>𝑠</m:t>
+                        </m:r>
+                      </m:e>
+                      <m:sub>
+                        <m:r>
+                          <a:rPr lang="en-US" altLang="ko-KR" b="0" i="1" smtClean="0">
+                            <a:latin typeface="Cambria Math" panose="02040503050406030204" pitchFamily="18" charset="0"/>
+                          </a:rPr>
+                          <m:t>𝑏</m:t>
+                        </m:r>
+                      </m:sub>
+                    </m:sSub>
+                  </m:oMath>
+                </a14:m>
+                <a:r>
+                  <a:rPr lang="en-US" altLang="ko-KR" dirty="0"/>
+                  <a:t>, sum </a:t>
+                </a:r>
+                <a14:m>
+                  <m:oMath xmlns:m="http://schemas.openxmlformats.org/officeDocument/2006/math">
+                    <m:r>
+                      <a:rPr lang="en-US" altLang="ko-KR" b="0" i="1" smtClean="0">
+                        <a:latin typeface="Cambria Math" panose="02040503050406030204" pitchFamily="18" charset="0"/>
+                      </a:rPr>
+                      <m:t>𝑡</m:t>
+                    </m:r>
+                  </m:oMath>
+                </a14:m>
+                <a:endParaRPr lang="en-US" altLang="ko-KR" dirty="0"/>
+              </a:p>
+              <a:p>
+                <a:pPr lvl="1"/>
+                <a:r>
+                  <a:rPr lang="en-US" altLang="ko-KR" dirty="0"/>
+                  <a:t>Find all </a:t>
+                </a:r>
+                <a14:m>
+                  <m:oMath xmlns:m="http://schemas.openxmlformats.org/officeDocument/2006/math">
+                    <m:r>
+                      <a:rPr lang="en-US" altLang="ko-KR" b="0" i="1" smtClean="0">
+                        <a:latin typeface="Cambria Math" panose="02040503050406030204" pitchFamily="18" charset="0"/>
+                      </a:rPr>
+                      <m:t>𝑝</m:t>
+                    </m:r>
+                    <m:r>
+                      <a:rPr lang="en-US" altLang="ko-KR" b="0" i="1" smtClean="0">
+                        <a:latin typeface="Cambria Math" panose="02040503050406030204" pitchFamily="18" charset="0"/>
+                      </a:rPr>
+                      <m:t>(</m:t>
+                    </m:r>
+                    <m:sSub>
+                      <m:sSubPr>
+                        <m:ctrlPr>
+                          <a:rPr lang="en-US" altLang="ko-KR" b="0" i="1" smtClean="0">
+                            <a:latin typeface="Cambria Math" panose="02040503050406030204" pitchFamily="18" charset="0"/>
+                          </a:rPr>
+                        </m:ctrlPr>
+                      </m:sSubPr>
+                      <m:e>
+                        <m:r>
+                          <a:rPr lang="en-US" altLang="ko-KR" b="0" i="1" smtClean="0">
+                            <a:latin typeface="Cambria Math" panose="02040503050406030204" pitchFamily="18" charset="0"/>
+                          </a:rPr>
+                          <m:t>𝑠</m:t>
+                        </m:r>
+                      </m:e>
+                      <m:sub>
+                        <m:r>
+                          <a:rPr lang="en-US" altLang="ko-KR" b="0" i="1" smtClean="0">
+                            <a:latin typeface="Cambria Math" panose="02040503050406030204" pitchFamily="18" charset="0"/>
+                          </a:rPr>
+                          <m:t>𝑎</m:t>
+                        </m:r>
+                      </m:sub>
+                    </m:sSub>
+                    <m:r>
+                      <a:rPr lang="en-US" altLang="ko-KR" b="0" i="1" smtClean="0">
+                        <a:latin typeface="Cambria Math" panose="02040503050406030204" pitchFamily="18" charset="0"/>
+                      </a:rPr>
+                      <m:t>, </m:t>
+                    </m:r>
+                    <m:sSub>
+                      <m:sSubPr>
+                        <m:ctrlPr>
+                          <a:rPr lang="en-US" altLang="ko-KR" b="0" i="1" smtClean="0">
+                            <a:latin typeface="Cambria Math" panose="02040503050406030204" pitchFamily="18" charset="0"/>
+                          </a:rPr>
+                        </m:ctrlPr>
+                      </m:sSubPr>
+                      <m:e>
+                        <m:r>
+                          <a:rPr lang="en-US" altLang="ko-KR" b="0" i="1" smtClean="0">
+                            <a:latin typeface="Cambria Math" panose="02040503050406030204" pitchFamily="18" charset="0"/>
+                          </a:rPr>
+                          <m:t>𝑠</m:t>
+                        </m:r>
+                      </m:e>
+                      <m:sub>
+                        <m:r>
+                          <a:rPr lang="en-US" altLang="ko-KR" b="0" i="1" smtClean="0">
+                            <a:latin typeface="Cambria Math" panose="02040503050406030204" pitchFamily="18" charset="0"/>
+                          </a:rPr>
+                          <m:t>𝑏</m:t>
+                        </m:r>
+                      </m:sub>
+                    </m:sSub>
+                    <m:r>
+                      <a:rPr lang="en-US" altLang="ko-KR" b="0" i="1" smtClean="0">
+                        <a:latin typeface="Cambria Math" panose="02040503050406030204" pitchFamily="18" charset="0"/>
+                      </a:rPr>
+                      <m:t>|</m:t>
+                    </m:r>
+                    <m:r>
+                      <a:rPr lang="en-US" altLang="ko-KR" b="0" i="1" smtClean="0">
+                        <a:latin typeface="Cambria Math" panose="02040503050406030204" pitchFamily="18" charset="0"/>
+                      </a:rPr>
+                      <m:t>𝑡</m:t>
+                    </m:r>
+                    <m:r>
+                      <a:rPr lang="en-US" altLang="ko-KR" b="0" i="1" smtClean="0">
+                        <a:latin typeface="Cambria Math" panose="02040503050406030204" pitchFamily="18" charset="0"/>
+                      </a:rPr>
+                      <m:t>=9)</m:t>
+                    </m:r>
+                  </m:oMath>
+                </a14:m>
+                <a:endParaRPr lang="en-US" altLang="ko-KR" dirty="0"/>
+              </a:p>
+              <a:p>
+                <a:pPr lvl="1"/>
+                <a:endParaRPr lang="ko-KR" altLang="en-US" dirty="0"/>
+              </a:p>
+            </p:txBody>
+          </p:sp>
+        </mc:Choice>
+        <mc:Fallback>
+          <p:sp>
+            <p:nvSpPr>
+              <p:cNvPr id="3" name="내용 개체 틀 2">
+                <a:extLst>
+                  <a:ext uri="{FF2B5EF4-FFF2-40B4-BE49-F238E27FC236}">
+                    <a16:creationId xmlns:a16="http://schemas.microsoft.com/office/drawing/2014/main" id="{412931F8-9E7B-49D2-AF75-E5525B3EA155}"/>
+                  </a:ext>
+                </a:extLst>
+              </p:cNvPr>
+              <p:cNvSpPr>
+                <a:spLocks noGrp="1" noRot="1" noChangeAspect="1" noMove="1" noResize="1" noEditPoints="1" noAdjustHandles="1" noChangeArrowheads="1" noChangeShapeType="1" noTextEdit="1"/>
+              </p:cNvSpPr>
+              <p:nvPr>
+                <p:ph idx="1"/>
+              </p:nvPr>
+            </p:nvSpPr>
+            <p:spPr>
+              <a:blipFill>
+                <a:blip r:embed="rId2"/>
+                <a:stretch>
+                  <a:fillRect l="-1043" t="-2381"/>
+                </a:stretch>
+              </a:blipFill>
+            </p:spPr>
+            <p:txBody>
+              <a:bodyPr/>
+              <a:lstStyle/>
+              <a:p>
+                <a:r>
+                  <a:rPr lang="ko-KR" altLang="en-US">
+                    <a:noFill/>
+                  </a:rPr>
+                  <a:t> </a:t>
+                </a:r>
+              </a:p>
+            </p:txBody>
+          </p:sp>
+        </mc:Fallback>
+      </mc:AlternateContent>
+      <p:sp>
+        <p:nvSpPr>
+          <p:cNvPr id="4" name="슬라이드 번호 개체 틀 3">
+            <a:extLst>
+              <a:ext uri="{FF2B5EF4-FFF2-40B4-BE49-F238E27FC236}">
+                <a16:creationId xmlns:a16="http://schemas.microsoft.com/office/drawing/2014/main" id="{33899312-D661-4959-BFC6-B43F52E391FB}"/>
+              </a:ext>
+            </a:extLst>
+          </p:cNvPr>
+          <p:cNvSpPr>
+            <a:spLocks noGrp="1"/>
+          </p:cNvSpPr>
+          <p:nvPr>
+            <p:ph type="sldNum" sz="quarter" idx="12"/>
+          </p:nvPr>
+        </p:nvSpPr>
+        <p:spPr/>
+        <p:txBody>
+          <a:bodyPr/>
+          <a:lstStyle/>
+          <a:p>
+            <a:fld id="{D26DC451-5BFC-426C-9D25-558B6D22E77E}" type="slidenum">
+              <a:rPr lang="ko-KR" altLang="en-US" smtClean="0"/>
+              <a:t>20</a:t>
+            </a:fld>
+            <a:endParaRPr lang="ko-KR" altLang="en-US" dirty="0"/>
+          </a:p>
+        </p:txBody>
+      </p:sp>
+      <p:grpSp>
+        <p:nvGrpSpPr>
+          <p:cNvPr id="8" name="그룹 7">
+            <a:extLst>
+              <a:ext uri="{FF2B5EF4-FFF2-40B4-BE49-F238E27FC236}">
+                <a16:creationId xmlns:a16="http://schemas.microsoft.com/office/drawing/2014/main" id="{AEB78661-ED7C-4DBB-8A15-257BA57A111B}"/>
+              </a:ext>
+            </a:extLst>
+          </p:cNvPr>
+          <p:cNvGrpSpPr/>
+          <p:nvPr/>
+        </p:nvGrpSpPr>
+        <p:grpSpPr>
+          <a:xfrm>
+            <a:off x="5030715" y="4001294"/>
+            <a:ext cx="5131594" cy="2047875"/>
+            <a:chOff x="5030715" y="4001294"/>
+            <a:chExt cx="5131594" cy="2047875"/>
+          </a:xfrm>
+        </p:grpSpPr>
+        <p:pic>
+          <p:nvPicPr>
+            <p:cNvPr id="5" name="그림 4">
+              <a:extLst>
+                <a:ext uri="{FF2B5EF4-FFF2-40B4-BE49-F238E27FC236}">
+                  <a16:creationId xmlns:a16="http://schemas.microsoft.com/office/drawing/2014/main" id="{82899DEC-CC0F-4664-A481-8987AB5FE44C}"/>
+                </a:ext>
+              </a:extLst>
+            </p:cNvPr>
+            <p:cNvPicPr>
+              <a:picLocks noChangeAspect="1"/>
+            </p:cNvPicPr>
+            <p:nvPr/>
+          </p:nvPicPr>
+          <p:blipFill>
+            <a:blip r:embed="rId3"/>
+            <a:stretch>
+              <a:fillRect/>
+            </a:stretch>
+          </p:blipFill>
+          <p:spPr>
+            <a:xfrm>
+              <a:off x="5030715" y="4001294"/>
+              <a:ext cx="5131594" cy="2047875"/>
+            </a:xfrm>
+            <a:prstGeom prst="rect">
+              <a:avLst/>
+            </a:prstGeom>
+          </p:spPr>
+        </p:pic>
+        <p:sp>
+          <p:nvSpPr>
+            <p:cNvPr id="7" name="직사각형 6">
+              <a:extLst>
+                <a:ext uri="{FF2B5EF4-FFF2-40B4-BE49-F238E27FC236}">
+                  <a16:creationId xmlns:a16="http://schemas.microsoft.com/office/drawing/2014/main" id="{B53B2A0A-29C2-4DD3-94CC-1A5709063065}"/>
+                </a:ext>
+              </a:extLst>
+            </p:cNvPr>
+            <p:cNvSpPr/>
+            <p:nvPr/>
+          </p:nvSpPr>
+          <p:spPr>
+            <a:xfrm rot="20509289">
+              <a:off x="7354030" y="5332734"/>
+              <a:ext cx="2763982" cy="338836"/>
+            </a:xfrm>
+            <a:prstGeom prst="rect">
+              <a:avLst/>
+            </a:prstGeom>
+            <a:noFill/>
+            <a:ln w="28575">
+              <a:solidFill>
+                <a:srgbClr val="FF0000"/>
+              </a:solidFill>
+            </a:ln>
+          </p:spPr>
+          <p:style>
+            <a:lnRef idx="2">
+              <a:schemeClr val="accent1">
+                <a:shade val="50000"/>
+              </a:schemeClr>
+            </a:lnRef>
+            <a:fillRef idx="1">
+              <a:schemeClr val="accent1"/>
+            </a:fillRef>
+            <a:effectRef idx="0">
+              <a:schemeClr val="accent1"/>
+            </a:effectRef>
+            <a:fontRef idx="minor">
+              <a:schemeClr val="lt1"/>
+            </a:fontRef>
+          </p:style>
+          <p:txBody>
+            <a:bodyPr rtlCol="0" anchor="ctr"/>
+            <a:lstStyle/>
+            <a:p>
+              <a:pPr algn="ctr"/>
+              <a:endParaRPr lang="ko-KR" altLang="en-US"/>
+            </a:p>
+          </p:txBody>
+        </p:sp>
+      </p:grpSp>
+    </p:spTree>
+    <p:extLst>
+      <p:ext uri="{BB962C8B-B14F-4D97-AF65-F5344CB8AC3E}">
+        <p14:creationId xmlns:p14="http://schemas.microsoft.com/office/powerpoint/2010/main" val="165390792"/>
+      </p:ext>
+    </p:extLst>
+  </p:cSld>
+  <p:clrMapOvr>
+    <a:masterClrMapping/>
+  </p:clrMapOvr>
+</p:sld>
+</file>
+
+<file path=ppt/slides/slide21.xml><?xml version="1.0" encoding="utf-8"?>
+<p:sld xmlns:a="http://schemas.openxmlformats.org/drawingml/2006/main" xmlns:r="http://schemas.openxmlformats.org/officeDocument/2006/relationships" xmlns:p="http://schemas.openxmlformats.org/presentationml/2006/main">
+  <p:cSld>
+    <p:spTree>
+      <p:nvGrpSpPr>
+        <p:cNvPr id="1" name=""/>
+        <p:cNvGrpSpPr/>
+        <p:nvPr/>
+      </p:nvGrpSpPr>
+      <p:grpSpPr>
+        <a:xfrm>
+          <a:off x="0" y="0"/>
+          <a:ext cx="0" cy="0"/>
+          <a:chOff x="0" y="0"/>
+          <a:chExt cx="0" cy="0"/>
+        </a:xfrm>
+      </p:grpSpPr>
+      <p:sp>
+        <p:nvSpPr>
+          <p:cNvPr id="2" name="제목 1">
+            <a:extLst>
+              <a:ext uri="{FF2B5EF4-FFF2-40B4-BE49-F238E27FC236}">
+                <a16:creationId xmlns:a16="http://schemas.microsoft.com/office/drawing/2014/main" id="{1401988C-23AE-456C-9EFB-491390749397}"/>
+              </a:ext>
+            </a:extLst>
+          </p:cNvPr>
+          <p:cNvSpPr>
+            <a:spLocks noGrp="1"/>
+          </p:cNvSpPr>
+          <p:nvPr>
+            <p:ph type="title"/>
+          </p:nvPr>
+        </p:nvSpPr>
+        <p:spPr/>
+        <p:txBody>
+          <a:bodyPr/>
+          <a:lstStyle/>
+          <a:p>
+            <a:r>
+              <a:rPr lang="en-US" altLang="ko-KR" dirty="0"/>
+              <a:t>1.6 Exercises</a:t>
+            </a:r>
+            <a:endParaRPr lang="ko-KR" altLang="en-US" dirty="0"/>
+          </a:p>
+        </p:txBody>
+      </p:sp>
+      <mc:AlternateContent xmlns:mc="http://schemas.openxmlformats.org/markup-compatibility/2006">
+        <mc:Choice xmlns:a14="http://schemas.microsoft.com/office/drawing/2010/main" Requires="a14">
+          <p:sp>
+            <p:nvSpPr>
+              <p:cNvPr id="3" name="내용 개체 틀 2">
+                <a:extLst>
+                  <a:ext uri="{FF2B5EF4-FFF2-40B4-BE49-F238E27FC236}">
+                    <a16:creationId xmlns:a16="http://schemas.microsoft.com/office/drawing/2014/main" id="{CA841292-ECB5-4BE1-818B-CF738802CAB6}"/>
+                  </a:ext>
+                </a:extLst>
+              </p:cNvPr>
+              <p:cNvSpPr>
+                <a:spLocks noGrp="1"/>
+              </p:cNvSpPr>
+              <p:nvPr>
+                <p:ph idx="1"/>
+              </p:nvPr>
+            </p:nvSpPr>
+            <p:spPr/>
+            <p:txBody>
+              <a:bodyPr/>
+              <a:lstStyle/>
+              <a:p>
+                <a:endParaRPr lang="en-US" altLang="ko-KR" dirty="0"/>
+              </a:p>
+              <a:p>
+                <a:endParaRPr lang="en-US" altLang="ko-KR" dirty="0"/>
+              </a:p>
+              <a:p>
+                <a:endParaRPr lang="en-US" altLang="ko-KR" dirty="0"/>
+              </a:p>
+              <a:p>
+                <a:endParaRPr lang="en-US" altLang="ko-KR" dirty="0"/>
+              </a:p>
+              <a:p>
+                <a:endParaRPr lang="en-US" altLang="ko-KR" dirty="0"/>
+              </a:p>
+              <a:p>
+                <a:pPr marL="0" indent="0" algn="ctr">
+                  <a:lnSpc>
+                    <a:spcPct val="100000"/>
+                  </a:lnSpc>
+                  <a:buNone/>
+                </a:pPr>
+                <a14:m>
+                  <m:oMath xmlns:m="http://schemas.openxmlformats.org/officeDocument/2006/math">
+                    <m:r>
+                      <a:rPr lang="en-US" altLang="ko-KR" b="0" i="1" smtClean="0">
+                        <a:latin typeface="Cambria Math" panose="02040503050406030204" pitchFamily="18" charset="0"/>
+                      </a:rPr>
+                      <m:t>𝑑𝑜𝑚</m:t>
+                    </m:r>
+                    <m:d>
+                      <m:dPr>
+                        <m:ctrlPr>
+                          <a:rPr lang="en-US" altLang="ko-KR" b="0" i="1" smtClean="0">
+                            <a:latin typeface="Cambria Math" panose="02040503050406030204" pitchFamily="18" charset="0"/>
+                          </a:rPr>
+                        </m:ctrlPr>
+                      </m:dPr>
+                      <m:e>
+                        <m:r>
+                          <a:rPr lang="en-US" altLang="ko-KR" b="0" i="1" smtClean="0">
+                            <a:latin typeface="Cambria Math" panose="02040503050406030204" pitchFamily="18" charset="0"/>
+                          </a:rPr>
+                          <m:t>𝑏𝑜𝑥</m:t>
+                        </m:r>
+                      </m:e>
+                    </m:d>
+                    <m:r>
+                      <a:rPr lang="en-US" altLang="ko-KR" b="0" i="1" smtClean="0">
+                        <a:latin typeface="Cambria Math" panose="02040503050406030204" pitchFamily="18" charset="0"/>
+                      </a:rPr>
+                      <m:t>={1, 2}</m:t>
+                    </m:r>
+                  </m:oMath>
+                </a14:m>
+                <a:r>
+                  <a:rPr lang="en-US" altLang="ko-KR" dirty="0"/>
+                  <a:t>, </a:t>
+                </a:r>
+                <a14:m>
+                  <m:oMath xmlns:m="http://schemas.openxmlformats.org/officeDocument/2006/math">
+                    <m:r>
+                      <a:rPr lang="en-US" altLang="ko-KR" i="1" dirty="0" smtClean="0">
+                        <a:latin typeface="Cambria Math" panose="02040503050406030204" pitchFamily="18" charset="0"/>
+                      </a:rPr>
+                      <m:t>𝑑𝑜𝑚</m:t>
+                    </m:r>
+                    <m:d>
+                      <m:dPr>
+                        <m:ctrlPr>
+                          <a:rPr lang="en-US" altLang="ko-KR" i="1" dirty="0" smtClean="0">
+                            <a:latin typeface="Cambria Math" panose="02040503050406030204" pitchFamily="18" charset="0"/>
+                          </a:rPr>
+                        </m:ctrlPr>
+                      </m:dPr>
+                      <m:e>
+                        <m:r>
+                          <a:rPr lang="en-US" altLang="ko-KR" i="1" dirty="0" smtClean="0">
+                            <a:latin typeface="Cambria Math" panose="02040503050406030204" pitchFamily="18" charset="0"/>
+                          </a:rPr>
+                          <m:t>𝑏𝑎𝑙𝑙</m:t>
+                        </m:r>
+                      </m:e>
+                    </m:d>
+                    <m:r>
+                      <a:rPr lang="en-US" altLang="ko-KR" b="0" i="1" dirty="0" smtClean="0">
+                        <a:latin typeface="Cambria Math" panose="02040503050406030204" pitchFamily="18" charset="0"/>
+                      </a:rPr>
+                      <m:t>=</m:t>
+                    </m:r>
+                    <m:d>
+                      <m:dPr>
+                        <m:begChr m:val="{"/>
+                        <m:endChr m:val="}"/>
+                        <m:ctrlPr>
+                          <a:rPr lang="en-US" altLang="ko-KR" b="0" i="1" dirty="0" smtClean="0">
+                            <a:latin typeface="Cambria Math" panose="02040503050406030204" pitchFamily="18" charset="0"/>
+                          </a:rPr>
+                        </m:ctrlPr>
+                      </m:dPr>
+                      <m:e>
+                        <m:r>
+                          <m:rPr>
+                            <m:sty m:val="p"/>
+                          </m:rPr>
+                          <a:rPr lang="en-US" altLang="ko-KR" b="0" i="0" dirty="0" smtClean="0">
+                            <a:latin typeface="Cambria Math" panose="02040503050406030204" pitchFamily="18" charset="0"/>
+                          </a:rPr>
+                          <m:t>red</m:t>
+                        </m:r>
+                        <m:r>
+                          <a:rPr lang="en-US" altLang="ko-KR" b="0" i="1" dirty="0" smtClean="0">
+                            <a:latin typeface="Cambria Math" panose="02040503050406030204" pitchFamily="18" charset="0"/>
+                          </a:rPr>
+                          <m:t>,  </m:t>
+                        </m:r>
+                        <m:r>
+                          <m:rPr>
+                            <m:sty m:val="p"/>
+                          </m:rPr>
+                          <a:rPr lang="en-US" altLang="ko-KR" b="0" i="0" dirty="0" smtClean="0">
+                            <a:latin typeface="Cambria Math" panose="02040503050406030204" pitchFamily="18" charset="0"/>
+                          </a:rPr>
+                          <m:t>white</m:t>
+                        </m:r>
+                      </m:e>
+                    </m:d>
+                  </m:oMath>
+                </a14:m>
+                <a:br>
+                  <a:rPr lang="en-US" altLang="ko-KR" dirty="0"/>
+                </a:br>
+                <a14:m>
+                  <m:oMathPara xmlns:m="http://schemas.openxmlformats.org/officeDocument/2006/math">
+                    <m:oMathParaPr>
+                      <m:jc m:val="center"/>
+                    </m:oMathParaPr>
+                    <m:oMath xmlns:m="http://schemas.openxmlformats.org/officeDocument/2006/math">
+                      <m:r>
+                        <a:rPr lang="en-US" altLang="ko-KR" b="0" i="1" smtClean="0">
+                          <a:latin typeface="Cambria Math" panose="02040503050406030204" pitchFamily="18" charset="0"/>
+                        </a:rPr>
+                        <m:t>𝑝</m:t>
+                      </m:r>
+                      <m:d>
+                        <m:dPr>
+                          <m:ctrlPr>
+                            <a:rPr lang="en-US" altLang="ko-KR" b="0" i="1" smtClean="0">
+                              <a:latin typeface="Cambria Math" panose="02040503050406030204" pitchFamily="18" charset="0"/>
+                            </a:rPr>
+                          </m:ctrlPr>
+                        </m:dPr>
+                        <m:e>
+                          <m:r>
+                            <a:rPr lang="en-US" altLang="ko-KR" b="0" i="1" smtClean="0">
+                              <a:latin typeface="Cambria Math" panose="02040503050406030204" pitchFamily="18" charset="0"/>
+                            </a:rPr>
+                            <m:t>𝑏𝑜𝑥</m:t>
+                          </m:r>
+                          <m:r>
+                            <a:rPr lang="en-US" altLang="ko-KR" b="0" i="1" smtClean="0">
+                              <a:latin typeface="Cambria Math" panose="02040503050406030204" pitchFamily="18" charset="0"/>
+                            </a:rPr>
+                            <m:t>=1</m:t>
+                          </m:r>
+                        </m:e>
+                      </m:d>
+                      <m:r>
+                        <a:rPr lang="en-US" altLang="ko-KR" b="0" i="1" smtClean="0">
+                          <a:latin typeface="Cambria Math" panose="02040503050406030204" pitchFamily="18" charset="0"/>
+                        </a:rPr>
+                        <m:t>=</m:t>
+                      </m:r>
+                      <m:r>
+                        <a:rPr lang="en-US" altLang="ko-KR" b="0" i="1" smtClean="0">
+                          <a:latin typeface="Cambria Math" panose="02040503050406030204" pitchFamily="18" charset="0"/>
+                        </a:rPr>
+                        <m:t>𝑝</m:t>
+                      </m:r>
+                      <m:d>
+                        <m:dPr>
+                          <m:ctrlPr>
+                            <a:rPr lang="en-US" altLang="ko-KR" b="0" i="1" smtClean="0">
+                              <a:latin typeface="Cambria Math" panose="02040503050406030204" pitchFamily="18" charset="0"/>
+                            </a:rPr>
+                          </m:ctrlPr>
+                        </m:dPr>
+                        <m:e>
+                          <m:r>
+                            <a:rPr lang="en-US" altLang="ko-KR" b="0" i="1" smtClean="0">
+                              <a:latin typeface="Cambria Math" panose="02040503050406030204" pitchFamily="18" charset="0"/>
+                            </a:rPr>
+                            <m:t>𝑏𝑜𝑥</m:t>
+                          </m:r>
+                          <m:r>
+                            <a:rPr lang="en-US" altLang="ko-KR" b="0" i="1" smtClean="0">
+                              <a:latin typeface="Cambria Math" panose="02040503050406030204" pitchFamily="18" charset="0"/>
+                            </a:rPr>
+                            <m:t>=2</m:t>
+                          </m:r>
+                        </m:e>
+                      </m:d>
+                      <m:r>
+                        <a:rPr lang="en-US" altLang="ko-KR" b="0" i="1" smtClean="0">
+                          <a:latin typeface="Cambria Math" panose="02040503050406030204" pitchFamily="18" charset="0"/>
+                        </a:rPr>
+                        <m:t>=0.5</m:t>
+                      </m:r>
+                    </m:oMath>
+                  </m:oMathPara>
+                </a14:m>
+                <a:endParaRPr lang="en-US" altLang="ko-KR" dirty="0"/>
+              </a:p>
+              <a:p>
+                <a:pPr marL="0" indent="0" algn="ctr">
+                  <a:buNone/>
+                </a:pPr>
+                <a14:m>
+                  <m:oMathPara xmlns:m="http://schemas.openxmlformats.org/officeDocument/2006/math">
+                    <m:oMathParaPr>
+                      <m:jc m:val="center"/>
+                    </m:oMathParaPr>
+                    <m:oMath xmlns:m="http://schemas.openxmlformats.org/officeDocument/2006/math">
+                      <m:r>
+                        <a:rPr lang="en-US" altLang="ko-KR" b="0" i="1" smtClean="0">
+                          <a:latin typeface="Cambria Math" panose="02040503050406030204" pitchFamily="18" charset="0"/>
+                        </a:rPr>
+                        <m:t>𝑝</m:t>
+                      </m:r>
+                      <m:d>
+                        <m:dPr>
+                          <m:ctrlPr>
+                            <a:rPr lang="en-US" altLang="ko-KR" b="0" i="1" smtClean="0">
+                              <a:latin typeface="Cambria Math" panose="02040503050406030204" pitchFamily="18" charset="0"/>
+                            </a:rPr>
+                          </m:ctrlPr>
+                        </m:dPr>
+                        <m:e>
+                          <m:r>
+                            <a:rPr lang="en-US" altLang="ko-KR" b="0" i="1" smtClean="0">
+                              <a:latin typeface="Cambria Math" panose="02040503050406030204" pitchFamily="18" charset="0"/>
+                            </a:rPr>
+                            <m:t>𝑏𝑜𝑥</m:t>
+                          </m:r>
+                          <m:r>
+                            <a:rPr lang="en-US" altLang="ko-KR" b="0" i="1" smtClean="0">
+                              <a:latin typeface="Cambria Math" panose="02040503050406030204" pitchFamily="18" charset="0"/>
+                            </a:rPr>
+                            <m:t>=1</m:t>
+                          </m:r>
+                        </m:e>
+                        <m:e>
+                          <m:r>
+                            <a:rPr lang="en-US" altLang="ko-KR" b="0" i="1" smtClean="0">
+                              <a:latin typeface="Cambria Math" panose="02040503050406030204" pitchFamily="18" charset="0"/>
+                            </a:rPr>
+                            <m:t>𝑏𝑎𝑙𝑙</m:t>
+                          </m:r>
+                          <m:r>
+                            <a:rPr lang="en-US" altLang="ko-KR" b="0" i="1" smtClean="0">
+                              <a:latin typeface="Cambria Math" panose="02040503050406030204" pitchFamily="18" charset="0"/>
+                            </a:rPr>
+                            <m:t>=</m:t>
+                          </m:r>
+                          <m:r>
+                            <m:rPr>
+                              <m:sty m:val="p"/>
+                            </m:rPr>
+                            <a:rPr lang="en-US" altLang="ko-KR" b="0" i="0" smtClean="0">
+                              <a:latin typeface="Cambria Math" panose="02040503050406030204" pitchFamily="18" charset="0"/>
+                            </a:rPr>
+                            <m:t>red</m:t>
+                          </m:r>
+                        </m:e>
+                      </m:d>
+                      <m:r>
+                        <a:rPr lang="en-US" altLang="ko-KR" b="0" i="1" smtClean="0">
+                          <a:latin typeface="Cambria Math" panose="02040503050406030204" pitchFamily="18" charset="0"/>
+                        </a:rPr>
+                        <m:t>=?</m:t>
+                      </m:r>
+                    </m:oMath>
+                  </m:oMathPara>
+                </a14:m>
+                <a:endParaRPr lang="ko-KR" altLang="en-US" dirty="0"/>
+              </a:p>
+            </p:txBody>
+          </p:sp>
+        </mc:Choice>
+        <mc:Fallback>
+          <p:sp>
+            <p:nvSpPr>
+              <p:cNvPr id="3" name="내용 개체 틀 2">
+                <a:extLst>
+                  <a:ext uri="{FF2B5EF4-FFF2-40B4-BE49-F238E27FC236}">
+                    <a16:creationId xmlns:a16="http://schemas.microsoft.com/office/drawing/2014/main" id="{CA841292-ECB5-4BE1-818B-CF738802CAB6}"/>
+                  </a:ext>
+                </a:extLst>
+              </p:cNvPr>
+              <p:cNvSpPr>
+                <a:spLocks noGrp="1" noRot="1" noChangeAspect="1" noMove="1" noResize="1" noEditPoints="1" noAdjustHandles="1" noChangeArrowheads="1" noChangeShapeType="1" noTextEdit="1"/>
+              </p:cNvSpPr>
+              <p:nvPr>
+                <p:ph idx="1"/>
+              </p:nvPr>
+            </p:nvSpPr>
+            <p:spPr>
+              <a:blipFill>
+                <a:blip r:embed="rId2"/>
+                <a:stretch>
+                  <a:fillRect/>
+                </a:stretch>
+              </a:blipFill>
+            </p:spPr>
+            <p:txBody>
+              <a:bodyPr/>
+              <a:lstStyle/>
+              <a:p>
+                <a:r>
+                  <a:rPr lang="ko-KR" altLang="en-US">
+                    <a:noFill/>
+                  </a:rPr>
+                  <a:t> </a:t>
+                </a:r>
+              </a:p>
+            </p:txBody>
+          </p:sp>
+        </mc:Fallback>
+      </mc:AlternateContent>
+      <p:sp>
+        <p:nvSpPr>
+          <p:cNvPr id="4" name="슬라이드 번호 개체 틀 3">
+            <a:extLst>
+              <a:ext uri="{FF2B5EF4-FFF2-40B4-BE49-F238E27FC236}">
+                <a16:creationId xmlns:a16="http://schemas.microsoft.com/office/drawing/2014/main" id="{04F4E179-D7E4-40BC-B581-0E9AE2CFCAEC}"/>
+              </a:ext>
+            </a:extLst>
+          </p:cNvPr>
+          <p:cNvSpPr>
+            <a:spLocks noGrp="1"/>
+          </p:cNvSpPr>
+          <p:nvPr>
+            <p:ph type="sldNum" sz="quarter" idx="12"/>
+          </p:nvPr>
+        </p:nvSpPr>
+        <p:spPr/>
+        <p:txBody>
+          <a:bodyPr/>
+          <a:lstStyle/>
+          <a:p>
+            <a:fld id="{D26DC451-5BFC-426C-9D25-558B6D22E77E}" type="slidenum">
+              <a:rPr lang="ko-KR" altLang="en-US" smtClean="0"/>
+              <a:t>21</a:t>
+            </a:fld>
+            <a:endParaRPr lang="ko-KR" altLang="en-US"/>
+          </a:p>
+        </p:txBody>
+      </p:sp>
+      <p:pic>
+        <p:nvPicPr>
+          <p:cNvPr id="5" name="그림 4">
+            <a:extLst>
+              <a:ext uri="{FF2B5EF4-FFF2-40B4-BE49-F238E27FC236}">
+                <a16:creationId xmlns:a16="http://schemas.microsoft.com/office/drawing/2014/main" id="{00FB5BDA-4853-42C9-923F-95A9527D2410}"/>
+              </a:ext>
+            </a:extLst>
+          </p:cNvPr>
+          <p:cNvPicPr>
+            <a:picLocks noChangeAspect="1"/>
+          </p:cNvPicPr>
+          <p:nvPr/>
+        </p:nvPicPr>
+        <p:blipFill>
+          <a:blip r:embed="rId3"/>
+          <a:stretch>
+            <a:fillRect/>
+          </a:stretch>
+        </p:blipFill>
+        <p:spPr>
+          <a:xfrm>
+            <a:off x="838199" y="1825624"/>
+            <a:ext cx="10552669" cy="1102213"/>
+          </a:xfrm>
+          <a:prstGeom prst="rect">
+            <a:avLst/>
+          </a:prstGeom>
+        </p:spPr>
+      </p:pic>
+      <mc:AlternateContent xmlns:mc="http://schemas.openxmlformats.org/markup-compatibility/2006">
+        <mc:Choice xmlns:a14="http://schemas.microsoft.com/office/drawing/2010/main" Requires="a14">
+          <p:sp>
+            <p:nvSpPr>
+              <p:cNvPr id="6" name="TextBox 5">
+                <a:extLst>
+                  <a:ext uri="{FF2B5EF4-FFF2-40B4-BE49-F238E27FC236}">
+                    <a16:creationId xmlns:a16="http://schemas.microsoft.com/office/drawing/2014/main" id="{704CB8E0-9A15-49FB-BCA2-E5C2EEDA73E6}"/>
+                  </a:ext>
+                </a:extLst>
+              </p:cNvPr>
+              <p:cNvSpPr txBox="1"/>
+              <p:nvPr/>
+            </p:nvSpPr>
+            <p:spPr>
+              <a:xfrm>
+                <a:off x="1916724" y="3167390"/>
+                <a:ext cx="3832781" cy="523220"/>
+              </a:xfrm>
+              <a:prstGeom prst="rect">
+                <a:avLst/>
+              </a:prstGeom>
+              <a:noFill/>
+            </p:spPr>
+            <p:txBody>
+              <a:bodyPr wrap="none" rtlCol="0">
+                <a:spAutoFit/>
+              </a:bodyPr>
+              <a:lstStyle/>
+              <a:p>
+                <a14:m>
+                  <m:oMath xmlns:m="http://schemas.openxmlformats.org/officeDocument/2006/math">
+                    <m:r>
+                      <a:rPr lang="en-US" altLang="ko-KR" sz="2800" i="1" dirty="0" smtClean="0">
+                        <a:latin typeface="Cambria Math" panose="02040503050406030204" pitchFamily="18" charset="0"/>
+                      </a:rPr>
+                      <m:t>𝑏𝑜𝑥</m:t>
+                    </m:r>
+                    <m:r>
+                      <a:rPr lang="en-US" altLang="ko-KR" sz="2800" b="0" i="1" dirty="0" smtClean="0">
+                        <a:latin typeface="Cambria Math" panose="02040503050406030204" pitchFamily="18" charset="0"/>
+                      </a:rPr>
+                      <m:t> 1</m:t>
+                    </m:r>
+                  </m:oMath>
+                </a14:m>
+                <a:r>
+                  <a:rPr lang="en-US" altLang="ko-KR" sz="2800" dirty="0"/>
+                  <a:t> - 3 red, 5 white</a:t>
+                </a:r>
+                <a:endParaRPr lang="ko-KR" altLang="en-US" sz="2800" dirty="0"/>
+              </a:p>
+            </p:txBody>
+          </p:sp>
+        </mc:Choice>
+        <mc:Fallback>
+          <p:sp>
+            <p:nvSpPr>
+              <p:cNvPr id="6" name="TextBox 5">
+                <a:extLst>
+                  <a:ext uri="{FF2B5EF4-FFF2-40B4-BE49-F238E27FC236}">
+                    <a16:creationId xmlns:a16="http://schemas.microsoft.com/office/drawing/2014/main" id="{704CB8E0-9A15-49FB-BCA2-E5C2EEDA73E6}"/>
+                  </a:ext>
+                </a:extLst>
+              </p:cNvPr>
+              <p:cNvSpPr txBox="1">
+                <a:spLocks noRot="1" noChangeAspect="1" noMove="1" noResize="1" noEditPoints="1" noAdjustHandles="1" noChangeArrowheads="1" noChangeShapeType="1" noTextEdit="1"/>
+              </p:cNvSpPr>
+              <p:nvPr/>
+            </p:nvSpPr>
+            <p:spPr>
+              <a:xfrm>
+                <a:off x="1916724" y="3167390"/>
+                <a:ext cx="3832781" cy="523220"/>
+              </a:xfrm>
+              <a:prstGeom prst="rect">
+                <a:avLst/>
+              </a:prstGeom>
+              <a:blipFill>
+                <a:blip r:embed="rId4"/>
+                <a:stretch>
+                  <a:fillRect t="-12941" b="-32941"/>
+                </a:stretch>
+              </a:blipFill>
+            </p:spPr>
+            <p:txBody>
+              <a:bodyPr/>
+              <a:lstStyle/>
+              <a:p>
+                <a:r>
+                  <a:rPr lang="ko-KR" altLang="en-US">
+                    <a:noFill/>
+                  </a:rPr>
+                  <a:t> </a:t>
+                </a:r>
+              </a:p>
+            </p:txBody>
+          </p:sp>
+        </mc:Fallback>
+      </mc:AlternateContent>
+      <mc:AlternateContent xmlns:mc="http://schemas.openxmlformats.org/markup-compatibility/2006">
+        <mc:Choice xmlns:a14="http://schemas.microsoft.com/office/drawing/2010/main" Requires="a14">
+          <p:sp>
+            <p:nvSpPr>
+              <p:cNvPr id="7" name="TextBox 6">
+                <a:extLst>
+                  <a:ext uri="{FF2B5EF4-FFF2-40B4-BE49-F238E27FC236}">
+                    <a16:creationId xmlns:a16="http://schemas.microsoft.com/office/drawing/2014/main" id="{0AEAA744-05E8-4ECB-8A14-123E23DFB169}"/>
+                  </a:ext>
+                </a:extLst>
+              </p:cNvPr>
+              <p:cNvSpPr txBox="1"/>
+              <p:nvPr/>
+            </p:nvSpPr>
+            <p:spPr>
+              <a:xfrm>
+                <a:off x="6008078" y="3165596"/>
+                <a:ext cx="3706143" cy="523220"/>
+              </a:xfrm>
+              <a:prstGeom prst="rect">
+                <a:avLst/>
+              </a:prstGeom>
+              <a:noFill/>
+            </p:spPr>
+            <p:txBody>
+              <a:bodyPr wrap="none" rtlCol="0">
+                <a:spAutoFit/>
+              </a:bodyPr>
+              <a:lstStyle/>
+              <a:p>
+                <a14:m>
+                  <m:oMath xmlns:m="http://schemas.openxmlformats.org/officeDocument/2006/math">
+                    <m:r>
+                      <a:rPr lang="en-US" altLang="ko-KR" sz="2800" i="1" dirty="0" smtClean="0">
+                        <a:latin typeface="Cambria Math" panose="02040503050406030204" pitchFamily="18" charset="0"/>
+                      </a:rPr>
+                      <m:t>𝑏𝑜𝑥</m:t>
+                    </m:r>
+                    <m:r>
+                      <a:rPr lang="en-US" altLang="ko-KR" sz="2800" b="0" i="1" dirty="0" smtClean="0">
+                        <a:latin typeface="Cambria Math" panose="02040503050406030204" pitchFamily="18" charset="0"/>
+                      </a:rPr>
+                      <m:t> 2</m:t>
+                    </m:r>
+                  </m:oMath>
+                </a14:m>
+                <a:r>
+                  <a:rPr lang="en-US" altLang="ko-KR" sz="2800" dirty="0"/>
+                  <a:t> - 2 red, 5 white</a:t>
+                </a:r>
+                <a:endParaRPr lang="ko-KR" altLang="en-US" sz="2800" dirty="0"/>
+              </a:p>
+            </p:txBody>
+          </p:sp>
+        </mc:Choice>
+        <mc:Fallback>
+          <p:sp>
+            <p:nvSpPr>
+              <p:cNvPr id="7" name="TextBox 6">
+                <a:extLst>
+                  <a:ext uri="{FF2B5EF4-FFF2-40B4-BE49-F238E27FC236}">
+                    <a16:creationId xmlns:a16="http://schemas.microsoft.com/office/drawing/2014/main" id="{0AEAA744-05E8-4ECB-8A14-123E23DFB169}"/>
+                  </a:ext>
+                </a:extLst>
+              </p:cNvPr>
+              <p:cNvSpPr txBox="1">
+                <a:spLocks noRot="1" noChangeAspect="1" noMove="1" noResize="1" noEditPoints="1" noAdjustHandles="1" noChangeArrowheads="1" noChangeShapeType="1" noTextEdit="1"/>
+              </p:cNvSpPr>
+              <p:nvPr/>
+            </p:nvSpPr>
+            <p:spPr>
+              <a:xfrm>
+                <a:off x="6008078" y="3165596"/>
+                <a:ext cx="3706143" cy="523220"/>
+              </a:xfrm>
+              <a:prstGeom prst="rect">
+                <a:avLst/>
+              </a:prstGeom>
+              <a:blipFill>
+                <a:blip r:embed="rId5"/>
+                <a:stretch>
+                  <a:fillRect t="-11628" r="-2303" b="-31395"/>
+                </a:stretch>
+              </a:blipFill>
+            </p:spPr>
+            <p:txBody>
+              <a:bodyPr/>
+              <a:lstStyle/>
+              <a:p>
+                <a:r>
+                  <a:rPr lang="ko-KR" altLang="en-US">
+                    <a:noFill/>
+                  </a:rPr>
+                  <a:t> </a:t>
+                </a:r>
+              </a:p>
+            </p:txBody>
+          </p:sp>
+        </mc:Fallback>
+      </mc:AlternateContent>
+    </p:spTree>
+    <p:extLst>
+      <p:ext uri="{BB962C8B-B14F-4D97-AF65-F5344CB8AC3E}">
+        <p14:creationId xmlns:p14="http://schemas.microsoft.com/office/powerpoint/2010/main" val="3709373582"/>
       </p:ext>
     </p:extLst>
   </p:cSld>
